--- a/presentation.pptx
+++ b/presentation.pptx
@@ -2068,15 +2068,15 @@
       <cdr:y>0</cdr:y>
     </cdr:from>
     <cdr:to>
-      <cdr:x>1</cdr:x>
+      <cdr:x>0.93655</cdr:x>
       <cdr:y>1</cdr:y>
     </cdr:to>
     <cdr:pic>
       <cdr:nvPicPr>
-        <cdr:cNvPr id="3" name="chart">
+        <cdr:cNvPr id="2" name="chart">
           <a:extLst xmlns:a="http://schemas.openxmlformats.org/drawingml/2006/main">
             <a:ext uri="{FF2B5EF4-FFF2-40B4-BE49-F238E27FC236}">
-              <a16:creationId xmlns:a16="http://schemas.microsoft.com/office/drawing/2014/main" id="{889BB069-BA3F-4DDC-B643-7151AF72DAFF}"/>
+              <a16:creationId xmlns:a16="http://schemas.microsoft.com/office/drawing/2014/main" id="{63B45338-3954-4A63-B990-42CDF02B7C70}"/>
             </a:ext>
           </a:extLst>
         </cdr:cNvPr>
@@ -2093,7 +2093,7 @@
       <cdr:spPr>
         <a:xfrm xmlns:a="http://schemas.openxmlformats.org/drawingml/2006/main">
           <a:off x="0" y="0"/>
-          <a:ext cx="10515600" cy="3689131"/>
+          <a:ext cx="9420225" cy="5619750"/>
         </a:xfrm>
         <a:prstGeom xmlns:a="http://schemas.openxmlformats.org/drawingml/2006/main" prst="rect">
           <a:avLst/>
@@ -2230,7 +2230,7 @@
           <a:p>
             <a:fld id="{2F7E8A57-9129-4EC1-BCD6-B92B52211100}" type="datetimeFigureOut">
               <a:rPr lang="en-US" smtClean="0"/>
-              <a:t>12/17/2025</a:t>
+              <a:t>12/18/2025</a:t>
             </a:fld>
             <a:endParaRPr lang="en-US"/>
           </a:p>
@@ -3059,7 +3059,7 @@
           <a:p>
             <a:fld id="{53CB8D9F-8A94-4B25-AA28-7D832FCAA94D}" type="datetimeFigureOut">
               <a:rPr lang="en-US" smtClean="0"/>
-              <a:t>12/17/2025</a:t>
+              <a:t>12/18/2025</a:t>
             </a:fld>
             <a:endParaRPr lang="en-US"/>
           </a:p>
@@ -3267,7 +3267,7 @@
           <a:p>
             <a:fld id="{53CB8D9F-8A94-4B25-AA28-7D832FCAA94D}" type="datetimeFigureOut">
               <a:rPr lang="en-US" smtClean="0"/>
-              <a:t>12/17/2025</a:t>
+              <a:t>12/18/2025</a:t>
             </a:fld>
             <a:endParaRPr lang="en-US"/>
           </a:p>
@@ -3523,7 +3523,7 @@
           <a:p>
             <a:fld id="{53CB8D9F-8A94-4B25-AA28-7D832FCAA94D}" type="datetimeFigureOut">
               <a:rPr lang="en-US" smtClean="0"/>
-              <a:t>12/17/2025</a:t>
+              <a:t>12/18/2025</a:t>
             </a:fld>
             <a:endParaRPr lang="en-US"/>
           </a:p>
@@ -3697,7 +3697,7 @@
           <a:p>
             <a:fld id="{53CB8D9F-8A94-4B25-AA28-7D832FCAA94D}" type="datetimeFigureOut">
               <a:rPr lang="en-US" smtClean="0"/>
-              <a:t>12/17/2025</a:t>
+              <a:t>12/18/2025</a:t>
             </a:fld>
             <a:endParaRPr lang="en-US"/>
           </a:p>
@@ -4040,7 +4040,7 @@
           <a:p>
             <a:fld id="{53CB8D9F-8A94-4B25-AA28-7D832FCAA94D}" type="datetimeFigureOut">
               <a:rPr lang="en-US" smtClean="0"/>
-              <a:t>12/17/2025</a:t>
+              <a:t>12/18/2025</a:t>
             </a:fld>
             <a:endParaRPr lang="en-US"/>
           </a:p>
@@ -4315,7 +4315,7 @@
           <a:p>
             <a:fld id="{53CB8D9F-8A94-4B25-AA28-7D832FCAA94D}" type="datetimeFigureOut">
               <a:rPr lang="en-US" smtClean="0"/>
-              <a:t>12/17/2025</a:t>
+              <a:t>12/18/2025</a:t>
             </a:fld>
             <a:endParaRPr lang="en-US"/>
           </a:p>
@@ -4694,7 +4694,7 @@
           <a:p>
             <a:fld id="{53CB8D9F-8A94-4B25-AA28-7D832FCAA94D}" type="datetimeFigureOut">
               <a:rPr lang="en-US" smtClean="0"/>
-              <a:t>12/17/2025</a:t>
+              <a:t>12/18/2025</a:t>
             </a:fld>
             <a:endParaRPr lang="en-US"/>
           </a:p>
@@ -4812,7 +4812,7 @@
           <a:p>
             <a:fld id="{53CB8D9F-8A94-4B25-AA28-7D832FCAA94D}" type="datetimeFigureOut">
               <a:rPr lang="en-US" smtClean="0"/>
-              <a:t>12/17/2025</a:t>
+              <a:t>12/18/2025</a:t>
             </a:fld>
             <a:endParaRPr lang="en-US"/>
           </a:p>
@@ -4983,7 +4983,7 @@
           <a:p>
             <a:fld id="{53CB8D9F-8A94-4B25-AA28-7D832FCAA94D}" type="datetimeFigureOut">
               <a:rPr lang="en-US" smtClean="0"/>
-              <a:t>12/17/2025</a:t>
+              <a:t>12/18/2025</a:t>
             </a:fld>
             <a:endParaRPr lang="en-US"/>
           </a:p>
@@ -5337,7 +5337,7 @@
           <a:p>
             <a:fld id="{53CB8D9F-8A94-4B25-AA28-7D832FCAA94D}" type="datetimeFigureOut">
               <a:rPr lang="en-US" smtClean="0"/>
-              <a:t>12/17/2025</a:t>
+              <a:t>12/18/2025</a:t>
             </a:fld>
             <a:endParaRPr lang="en-US"/>
           </a:p>
@@ -5719,7 +5719,7 @@
           <a:p>
             <a:fld id="{53CB8D9F-8A94-4B25-AA28-7D832FCAA94D}" type="datetimeFigureOut">
               <a:rPr lang="en-US" smtClean="0"/>
-              <a:t>12/17/2025</a:t>
+              <a:t>12/18/2025</a:t>
             </a:fld>
             <a:endParaRPr lang="en-US"/>
           </a:p>
@@ -6006,7 +6006,7 @@
           <a:p>
             <a:fld id="{53CB8D9F-8A94-4B25-AA28-7D832FCAA94D}" type="datetimeFigureOut">
               <a:rPr lang="en-US" smtClean="0"/>
-              <a:t>12/17/2025</a:t>
+              <a:t>12/18/2025</a:t>
             </a:fld>
             <a:endParaRPr lang="en-US"/>
           </a:p>
@@ -6664,38 +6664,6 @@
           </a:p>
         </p:txBody>
       </p:sp>
-      <p:pic>
-        <p:nvPicPr>
-          <p:cNvPr id="4" name="Content Placeholder 3">
-            <a:extLst>
-              <a:ext uri="{FF2B5EF4-FFF2-40B4-BE49-F238E27FC236}">
-                <a16:creationId xmlns:a16="http://schemas.microsoft.com/office/drawing/2014/main" id="{AE823D51-F7FF-4ED9-BA52-E40EFBE25525}"/>
-              </a:ext>
-            </a:extLst>
-          </p:cNvPr>
-          <p:cNvPicPr>
-            <a:picLocks noGrp="1" noChangeAspect="1"/>
-          </p:cNvPicPr>
-          <p:nvPr>
-            <p:ph idx="1"/>
-          </p:nvPr>
-        </p:nvPicPr>
-        <p:blipFill>
-          <a:blip r:embed="rId2"/>
-          <a:stretch>
-            <a:fillRect/>
-          </a:stretch>
-        </p:blipFill>
-        <p:spPr>
-          <a:xfrm>
-            <a:off x="791166" y="1965434"/>
-            <a:ext cx="10670628" cy="3941380"/>
-          </a:xfrm>
-          <a:prstGeom prst="rect">
-            <a:avLst/>
-          </a:prstGeom>
-        </p:spPr>
-      </p:pic>
       <p:sp>
         <p:nvSpPr>
           <p:cNvPr id="5" name="TextBox 4">
@@ -6735,6 +6703,38 @@
           </a:p>
         </p:txBody>
       </p:sp>
+      <p:pic>
+        <p:nvPicPr>
+          <p:cNvPr id="7" name="Content Placeholder 6">
+            <a:extLst>
+              <a:ext uri="{FF2B5EF4-FFF2-40B4-BE49-F238E27FC236}">
+                <a16:creationId xmlns:a16="http://schemas.microsoft.com/office/drawing/2014/main" id="{2CE76FB9-9F4F-4A6E-8849-D3DACD4A4E3E}"/>
+              </a:ext>
+            </a:extLst>
+          </p:cNvPr>
+          <p:cNvPicPr>
+            <a:picLocks noGrp="1" noChangeAspect="1"/>
+          </p:cNvPicPr>
+          <p:nvPr>
+            <p:ph idx="1"/>
+          </p:nvPr>
+        </p:nvPicPr>
+        <p:blipFill>
+          <a:blip r:embed="rId2"/>
+          <a:stretch>
+            <a:fillRect/>
+          </a:stretch>
+        </p:blipFill>
+        <p:spPr>
+          <a:xfrm>
+            <a:off x="1292774" y="1751670"/>
+            <a:ext cx="9406758" cy="4022725"/>
+          </a:xfrm>
+          <a:prstGeom prst="rect">
+            <a:avLst/>
+          </a:prstGeom>
+        </p:spPr>
+      </p:pic>
     </p:spTree>
     <p:extLst>
       <p:ext uri="{BB962C8B-B14F-4D97-AF65-F5344CB8AC3E}">
@@ -7280,7 +7280,7 @@
             <p:ph idx="1"/>
             <p:extLst>
               <p:ext uri="{D42A27DB-BD31-4B8C-83A1-F6EECF244321}">
-                <p14:modId xmlns:p14="http://schemas.microsoft.com/office/powerpoint/2010/main" val="924599167"/>
+                <p14:modId xmlns:p14="http://schemas.microsoft.com/office/powerpoint/2010/main" val="2769277925"/>
               </p:ext>
             </p:extLst>
           </p:nvPr>
@@ -7520,18 +7520,18 @@
         </p:nvSpPr>
         <p:spPr>
           <a:xfrm>
-            <a:off x="1719943" y="624110"/>
-            <a:ext cx="10134600" cy="1053415"/>
+            <a:off x="893379" y="624110"/>
+            <a:ext cx="10961164" cy="1053415"/>
           </a:xfrm>
         </p:spPr>
         <p:txBody>
           <a:bodyPr>
-            <a:normAutofit fontScale="90000"/>
+            <a:normAutofit/>
           </a:bodyPr>
           <a:lstStyle/>
           <a:p>
             <a:r>
-              <a:rPr lang="en-US" dirty="0">
+              <a:rPr lang="en-US" sz="4000" dirty="0">
                 <a:latin typeface="Times New Roman" panose="02020603050405020304" pitchFamily="18" charset="0"/>
                 <a:cs typeface="Times New Roman" panose="02020603050405020304" pitchFamily="18" charset="0"/>
               </a:rPr>
@@ -7987,7 +7987,7 @@
         <p:spPr>
           <a:xfrm>
             <a:off x="838200" y="365125"/>
-            <a:ext cx="10515600" cy="1022241"/>
+            <a:ext cx="11059510" cy="1022241"/>
           </a:xfrm>
         </p:spPr>
         <p:txBody>
@@ -8267,7 +8267,12 @@
             <p:ph type="title"/>
           </p:nvPr>
         </p:nvSpPr>
-        <p:spPr/>
+        <p:spPr>
+          <a:xfrm>
+            <a:off x="650004" y="349665"/>
+            <a:ext cx="11389010" cy="1450757"/>
+          </a:xfrm>
+        </p:spPr>
         <p:txBody>
           <a:bodyPr>
             <a:normAutofit/>
@@ -8310,38 +8315,6 @@
           <a:xfrm>
             <a:off x="660478" y="1880968"/>
             <a:ext cx="5314020" cy="3096064"/>
-          </a:xfrm>
-          <a:prstGeom prst="rect">
-            <a:avLst/>
-          </a:prstGeom>
-        </p:spPr>
-      </p:pic>
-      <p:pic>
-        <p:nvPicPr>
-          <p:cNvPr id="13" name="Content Placeholder 12">
-            <a:extLst>
-              <a:ext uri="{FF2B5EF4-FFF2-40B4-BE49-F238E27FC236}">
-                <a16:creationId xmlns:a16="http://schemas.microsoft.com/office/drawing/2014/main" id="{27FEBE6E-2CB5-8133-F832-3569619A7A6C}"/>
-              </a:ext>
-            </a:extLst>
-          </p:cNvPr>
-          <p:cNvPicPr>
-            <a:picLocks noGrp="1" noChangeAspect="1"/>
-          </p:cNvPicPr>
-          <p:nvPr>
-            <p:ph sz="quarter" idx="4"/>
-          </p:nvPr>
-        </p:nvPicPr>
-        <p:blipFill>
-          <a:blip r:embed="rId3"/>
-          <a:stretch>
-            <a:fillRect/>
-          </a:stretch>
-        </p:blipFill>
-        <p:spPr>
-          <a:xfrm>
-            <a:off x="6217504" y="1880968"/>
-            <a:ext cx="5314018" cy="3684588"/>
           </a:xfrm>
           <a:prstGeom prst="rect">
             <a:avLst/>
@@ -8406,6 +8379,38 @@
           </a:p>
         </p:txBody>
       </p:sp>
+      <p:pic>
+        <p:nvPicPr>
+          <p:cNvPr id="5" name="Content Placeholder 4">
+            <a:extLst>
+              <a:ext uri="{FF2B5EF4-FFF2-40B4-BE49-F238E27FC236}">
+                <a16:creationId xmlns:a16="http://schemas.microsoft.com/office/drawing/2014/main" id="{1448CBA2-7D49-4DED-B9DD-02875F5F38D1}"/>
+              </a:ext>
+            </a:extLst>
+          </p:cNvPr>
+          <p:cNvPicPr>
+            <a:picLocks noGrp="1" noChangeAspect="1"/>
+          </p:cNvPicPr>
+          <p:nvPr>
+            <p:ph sz="quarter" idx="4"/>
+          </p:nvPr>
+        </p:nvPicPr>
+        <p:blipFill>
+          <a:blip r:embed="rId3"/>
+          <a:stretch>
+            <a:fillRect/>
+          </a:stretch>
+        </p:blipFill>
+        <p:spPr>
+          <a:xfrm>
+            <a:off x="6096000" y="1893888"/>
+            <a:ext cx="5435522" cy="3378200"/>
+          </a:xfrm>
+          <a:prstGeom prst="rect">
+            <a:avLst/>
+          </a:prstGeom>
+        </p:spPr>
+      </p:pic>
     </p:spTree>
     <p:extLst>
       <p:ext uri="{BB962C8B-B14F-4D97-AF65-F5344CB8AC3E}">
@@ -8452,7 +8457,12 @@
             <p:ph type="title"/>
           </p:nvPr>
         </p:nvSpPr>
-        <p:spPr/>
+        <p:spPr>
+          <a:xfrm>
+            <a:off x="588579" y="286603"/>
+            <a:ext cx="11067393" cy="1450757"/>
+          </a:xfrm>
+        </p:spPr>
         <p:txBody>
           <a:bodyPr>
             <a:normAutofit/>
@@ -8460,7 +8470,7 @@
           <a:lstStyle/>
           <a:p>
             <a:r>
-              <a:rPr lang="en-US" dirty="0">
+              <a:rPr lang="en-US" sz="3600" dirty="0">
                 <a:latin typeface="Times New Roman" panose="02020603050405020304" pitchFamily="18" charset="0"/>
                 <a:cs typeface="Times New Roman" panose="02020603050405020304" pitchFamily="18" charset="0"/>
               </a:rPr>
@@ -9140,7 +9150,12 @@
             <p:ph type="title"/>
           </p:nvPr>
         </p:nvSpPr>
-        <p:spPr/>
+        <p:spPr>
+          <a:xfrm>
+            <a:off x="1097280" y="286603"/>
+            <a:ext cx="10621754" cy="1450757"/>
+          </a:xfrm>
+        </p:spPr>
         <p:txBody>
           <a:bodyPr>
             <a:normAutofit fontScale="90000"/>
@@ -9148,7 +9163,7 @@
           <a:lstStyle/>
           <a:p>
             <a:r>
-              <a:rPr lang="en-GB" dirty="0">
+              <a:rPr lang="en-GB" sz="3600" dirty="0">
                 <a:latin typeface="Times New Roman" panose="02020603050405020304" pitchFamily="18" charset="0"/>
                 <a:cs typeface="Times New Roman" panose="02020603050405020304" pitchFamily="18" charset="0"/>
               </a:rPr>
@@ -11142,38 +11157,6 @@
           </a:p>
         </p:txBody>
       </p:sp>
-      <p:pic>
-        <p:nvPicPr>
-          <p:cNvPr id="6" name="Content Placeholder 5">
-            <a:extLst>
-              <a:ext uri="{FF2B5EF4-FFF2-40B4-BE49-F238E27FC236}">
-                <a16:creationId xmlns:a16="http://schemas.microsoft.com/office/drawing/2014/main" id="{6291C390-1B15-41DD-89B0-E6099402FB16}"/>
-              </a:ext>
-            </a:extLst>
-          </p:cNvPr>
-          <p:cNvPicPr>
-            <a:picLocks noGrp="1" noChangeAspect="1"/>
-          </p:cNvPicPr>
-          <p:nvPr>
-            <p:ph idx="1"/>
-          </p:nvPr>
-        </p:nvPicPr>
-        <p:blipFill>
-          <a:blip r:embed="rId2"/>
-          <a:stretch>
-            <a:fillRect/>
-          </a:stretch>
-        </p:blipFill>
-        <p:spPr>
-          <a:xfrm>
-            <a:off x="856593" y="1860331"/>
-            <a:ext cx="10478813" cy="3919630"/>
-          </a:xfrm>
-          <a:prstGeom prst="rect">
-            <a:avLst/>
-          </a:prstGeom>
-        </p:spPr>
-      </p:pic>
       <p:sp>
         <p:nvSpPr>
           <p:cNvPr id="7" name="TextBox 6">
@@ -11188,8 +11171,8 @@
         </p:nvSpPr>
         <p:spPr>
           <a:xfrm>
-            <a:off x="641132" y="5779961"/>
-            <a:ext cx="7294179" cy="523220"/>
+            <a:off x="641132" y="6032209"/>
+            <a:ext cx="7294179" cy="261610"/>
           </a:xfrm>
           <a:prstGeom prst="rect">
             <a:avLst/>
@@ -11207,7 +11190,7 @@
           <a:lstStyle/>
           <a:p>
             <a:r>
-              <a:rPr lang="en-US" sz="1400" dirty="0">
+              <a:rPr lang="en-US" sz="1100" dirty="0">
                 <a:latin typeface="Times New Roman" panose="02020603050405020304" pitchFamily="18" charset="0"/>
                 <a:cs typeface="Times New Roman" panose="02020603050405020304" pitchFamily="18" charset="0"/>
               </a:rPr>
@@ -11216,6 +11199,38 @@
           </a:p>
         </p:txBody>
       </p:sp>
+      <p:pic>
+        <p:nvPicPr>
+          <p:cNvPr id="5" name="Content Placeholder 4">
+            <a:extLst>
+              <a:ext uri="{FF2B5EF4-FFF2-40B4-BE49-F238E27FC236}">
+                <a16:creationId xmlns:a16="http://schemas.microsoft.com/office/drawing/2014/main" id="{6F7DB966-81C8-43C8-A543-7008D5800BD2}"/>
+              </a:ext>
+            </a:extLst>
+          </p:cNvPr>
+          <p:cNvPicPr>
+            <a:picLocks noGrp="1" noChangeAspect="1"/>
+          </p:cNvPicPr>
+          <p:nvPr>
+            <p:ph idx="1"/>
+          </p:nvPr>
+        </p:nvPicPr>
+        <p:blipFill>
+          <a:blip r:embed="rId2"/>
+          <a:stretch>
+            <a:fillRect/>
+          </a:stretch>
+        </p:blipFill>
+        <p:spPr>
+          <a:xfrm>
+            <a:off x="1713186" y="1846263"/>
+            <a:ext cx="9028387" cy="4022725"/>
+          </a:xfrm>
+          <a:prstGeom prst="rect">
+            <a:avLst/>
+          </a:prstGeom>
+        </p:spPr>
+      </p:pic>
     </p:spTree>
     <p:extLst>
       <p:ext uri="{BB962C8B-B14F-4D97-AF65-F5344CB8AC3E}">
